--- a/WpfStudy/Documents/AutoMapper Tutorial.pptx
+++ b/WpfStudy/Documents/AutoMapper Tutorial.pptx
@@ -13,17 +13,18 @@
     <p:sldId id="262" r:id="rId6"/>
     <p:sldId id="265" r:id="rId7"/>
     <p:sldId id="264" r:id="rId8"/>
-    <p:sldId id="257" r:id="rId9"/>
-    <p:sldId id="266" r:id="rId10"/>
-    <p:sldId id="267" r:id="rId11"/>
-    <p:sldId id="258" r:id="rId12"/>
-    <p:sldId id="259" r:id="rId13"/>
-    <p:sldId id="268" r:id="rId14"/>
-    <p:sldId id="269" r:id="rId15"/>
-    <p:sldId id="260" r:id="rId16"/>
-    <p:sldId id="270" r:id="rId17"/>
-    <p:sldId id="276" r:id="rId18"/>
-    <p:sldId id="277" r:id="rId19"/>
+    <p:sldId id="278" r:id="rId9"/>
+    <p:sldId id="257" r:id="rId10"/>
+    <p:sldId id="266" r:id="rId11"/>
+    <p:sldId id="267" r:id="rId12"/>
+    <p:sldId id="258" r:id="rId13"/>
+    <p:sldId id="259" r:id="rId14"/>
+    <p:sldId id="268" r:id="rId15"/>
+    <p:sldId id="269" r:id="rId16"/>
+    <p:sldId id="260" r:id="rId17"/>
+    <p:sldId id="270" r:id="rId18"/>
+    <p:sldId id="276" r:id="rId19"/>
+    <p:sldId id="277" r:id="rId20"/>
   </p:sldIdLst>
   <p:sldSz cx="12192000" cy="6858000"/>
   <p:notesSz cx="6858000" cy="9144000"/>
@@ -4616,13 +4617,11 @@
         </p:nvSpPr>
         <p:spPr/>
         <p:txBody>
-          <a:bodyPr>
-            <a:normAutofit fontScale="90000"/>
-          </a:bodyPr>
-          <a:p>
-            <a:r>
-              <a:rPr lang="en-US"/>
-              <a:t>UC Source Prop is object type, Dest prop is premitive type</a:t>
+          <a:bodyPr/>
+          <a:p>
+            <a:r>
+              <a:rPr lang="en-US"/>
+              <a:t>UC 1:  Mapper 2 simple objects</a:t>
             </a:r>
             <a:endParaRPr lang="en-US"/>
           </a:p>
@@ -4640,77 +4639,29 @@
         </p:nvSpPr>
         <p:spPr/>
         <p:txBody>
-          <a:bodyPr>
-            <a:normAutofit lnSpcReduction="10000"/>
-          </a:bodyPr>
-          <a:p>
-            <a:pPr marL="0" indent="0">
-              <a:buNone/>
-            </a:pPr>
-            <a:r>
-              <a:rPr lang="en-US"/>
-              <a:t> var config = new MapperConfiguration(cfg =&gt;</a:t>
-            </a:r>
-            <a:endParaRPr lang="en-US"/>
-          </a:p>
-          <a:p>
-            <a:pPr marL="0" indent="0">
-              <a:buNone/>
-            </a:pPr>
-            <a:r>
-              <a:rPr lang="en-US"/>
-              <a:t>            {                </a:t>
-            </a:r>
-            <a:endParaRPr lang="en-US"/>
-          </a:p>
-          <a:p>
-            <a:pPr marL="0" indent="0">
-              <a:buNone/>
-            </a:pPr>
-            <a:r>
-              <a:rPr lang="en-US"/>
-              <a:t>                cfg.CreateMap&lt;Employee, EmployeeDTO2&gt;()</a:t>
-            </a:r>
-            <a:endParaRPr lang="en-US"/>
-          </a:p>
-          <a:p>
-            <a:pPr marL="0" indent="0">
-              <a:buNone/>
-            </a:pPr>
-            <a:r>
-              <a:rPr lang="en-US"/>
-              <a:t>                .ForMember(dest =&gt; dest.City, act =&gt; act.MapFrom(src =&gt; src.Address.City))</a:t>
-            </a:r>
-            <a:endParaRPr lang="en-US"/>
-          </a:p>
-          <a:p>
-            <a:pPr marL="0" indent="0">
-              <a:buNone/>
-            </a:pPr>
-            <a:r>
-              <a:rPr lang="en-US"/>
-              <a:t>                .ForMember(dest =&gt; dest.Country, act =&gt; act.MapFrom(src =&gt; src.Address.Country))</a:t>
-            </a:r>
-            <a:endParaRPr lang="en-US"/>
-          </a:p>
-          <a:p>
-            <a:pPr marL="0" indent="0">
-              <a:buNone/>
-            </a:pPr>
-            <a:r>
-              <a:rPr lang="en-US"/>
-              <a:t>                .ForMember(dest =&gt; dest.State, act =&gt; act.MapFrom(src =&gt; src.Address.Stae));</a:t>
-            </a:r>
-            <a:endParaRPr lang="en-US"/>
-          </a:p>
-          <a:p>
-            <a:pPr marL="0" indent="0">
-              <a:buNone/>
-            </a:pPr>
-            <a:r>
-              <a:rPr lang="en-US"/>
-              <a:t>            });</a:t>
-            </a:r>
+          <a:bodyPr/>
+          <a:p>
+            <a:r>
+              <a:rPr lang="en-US"/>
+              <a:t>Voi 2 doi tuong co cung kieu va ten thuoc tinh thi chi can tao 1 cau hinh don gian la chi ra source va destination</a:t>
+            </a:r>
+            <a:endParaRPr lang="en-US"/>
+          </a:p>
+          <a:p>
+            <a:r>
+              <a:rPr lang="en-US"/>
+              <a:t>Voi 2 doi tuong co cac thuoc tinh khac ten nhung cung kiểu du lieu, ta su dung them 1 dong lenh</a:t>
+            </a:r>
+            <a:endParaRPr lang="en-US"/>
+          </a:p>
+          <a:p>
+            <a:r>
+              <a:rPr lang="en-US"/>
+              <a:t>ForMember(dest=&gt;dest.Prop, action=&gt;action.MapFrom(source.Prop))</a:t>
+            </a:r>
+            <a:endParaRPr lang="en-US"/>
+          </a:p>
+          <a:p>
             <a:endParaRPr lang="en-US"/>
           </a:p>
         </p:txBody>
@@ -4745,11 +4696,13 @@
         </p:nvSpPr>
         <p:spPr/>
         <p:txBody>
-          <a:bodyPr/>
-          <a:p>
-            <a:r>
-              <a:rPr lang="en-US"/>
-              <a:t>UC: Dest prop tinh toan tu Source</a:t>
+          <a:bodyPr>
+            <a:normAutofit fontScale="90000"/>
+          </a:bodyPr>
+          <a:p>
+            <a:r>
+              <a:rPr lang="en-US"/>
+              <a:t>UC Source Prop is object type, Dest prop is premitive type</a:t>
             </a:r>
             <a:endParaRPr lang="en-US"/>
           </a:p>
@@ -4776,7 +4729,7 @@
             </a:pPr>
             <a:r>
               <a:rPr lang="en-US"/>
-              <a:t>trong TH nguoc lai map tu 1 tap hop premitive type vao trong 1 object co the lam nhu sau</a:t>
+              <a:t> var config = new MapperConfiguration(cfg =&gt;</a:t>
             </a:r>
             <a:endParaRPr lang="en-US"/>
           </a:p>
@@ -4786,39 +4739,58 @@
             </a:pPr>
             <a:r>
               <a:rPr lang="en-US"/>
-              <a:t>ForMember(dest=&gt;dest.Address, action=&gt;action.MapFrom(source=&gt;new Address(){dest.prop1, dest.prop2,...};))</a:t>
-            </a:r>
-            <a:endParaRPr lang="en-US" b="1"/>
+              <a:t>            {                </a:t>
+            </a:r>
+            <a:endParaRPr lang="en-US"/>
           </a:p>
           <a:p>
             <a:pPr marL="0" indent="0">
               <a:buNone/>
             </a:pPr>
             <a:r>
-              <a:rPr lang="en-US" b="1"/>
-              <a:t>Giai thich</a:t>
-            </a:r>
-            <a:r>
-              <a:rPr lang="en-US"/>
-              <a:t> (SOURCE-&gt;DEST)</a:t>
-            </a:r>
-            <a:endParaRPr lang="en-US"/>
-          </a:p>
-          <a:p>
-            <a:r>
-              <a:rPr lang="en-US"/>
-              <a:t>Adress la 1 object , la 1 thuoc tinh cua Destination, no dung de copy tu cac thuoc tinh prop1, prop2 cua source</a:t>
-            </a:r>
-            <a:endParaRPr lang="en-US"/>
-          </a:p>
-          <a:p>
-            <a:r>
-              <a:rPr lang="en-US"/>
-              <a:t> ForMember, luon dn theo mo  tip dest can gi , va source phai lam the nao</a:t>
-            </a:r>
-            <a:endParaRPr lang="en-US"/>
-          </a:p>
-          <a:p>
+              <a:rPr lang="en-US"/>
+              <a:t>                cfg.CreateMap&lt;Employee, EmployeeDTO2&gt;()</a:t>
+            </a:r>
+            <a:endParaRPr lang="en-US"/>
+          </a:p>
+          <a:p>
+            <a:pPr marL="0" indent="0">
+              <a:buNone/>
+            </a:pPr>
+            <a:r>
+              <a:rPr lang="en-US"/>
+              <a:t>                .ForMember(dest =&gt; dest.City, act =&gt; act.MapFrom(src =&gt; src.Address.City))</a:t>
+            </a:r>
+            <a:endParaRPr lang="en-US"/>
+          </a:p>
+          <a:p>
+            <a:pPr marL="0" indent="0">
+              <a:buNone/>
+            </a:pPr>
+            <a:r>
+              <a:rPr lang="en-US"/>
+              <a:t>                .ForMember(dest =&gt; dest.Country, act =&gt; act.MapFrom(src =&gt; src.Address.Country))</a:t>
+            </a:r>
+            <a:endParaRPr lang="en-US"/>
+          </a:p>
+          <a:p>
+            <a:pPr marL="0" indent="0">
+              <a:buNone/>
+            </a:pPr>
+            <a:r>
+              <a:rPr lang="en-US"/>
+              <a:t>                .ForMember(dest =&gt; dest.State, act =&gt; act.MapFrom(src =&gt; src.Address.Stae));</a:t>
+            </a:r>
+            <a:endParaRPr lang="en-US"/>
+          </a:p>
+          <a:p>
+            <a:pPr marL="0" indent="0">
+              <a:buNone/>
+            </a:pPr>
+            <a:r>
+              <a:rPr lang="en-US"/>
+              <a:t>            });</a:t>
+            </a:r>
             <a:endParaRPr lang="en-US"/>
           </a:p>
         </p:txBody>
@@ -4857,7 +4829,7 @@
           <a:p>
             <a:r>
               <a:rPr lang="en-US"/>
-              <a:t>Reserve mapping</a:t>
+              <a:t>UC: Dest prop tinh toan tu Source</a:t>
             </a:r>
             <a:endParaRPr lang="en-US"/>
           </a:p>
@@ -4875,33 +4847,58 @@
         </p:nvSpPr>
         <p:spPr/>
         <p:txBody>
-          <a:bodyPr/>
-          <a:p>
-            <a:r>
-              <a:rPr lang="en-US"/>
-              <a:t>gia su co 2 objects trong do co cac thuoc tinh khac nhau ve kieu (object type to premitive type), tat nhien la phai dung ForMember ket hop voi method Reserve(), tuy nhien sau reserver can khai bao them for Member cho chieu nguoc lai</a:t>
-            </a:r>
-            <a:endParaRPr lang="en-US"/>
-          </a:p>
-          <a:p>
-            <a:r>
-              <a:rPr lang="en-US"/>
-              <a:t>Auto mapper se auto hieu thu tu nguoc lai Source-&gt; Dest, va dest-&gt;source</a:t>
-            </a:r>
-            <a:endParaRPr lang="en-US"/>
-          </a:p>
-          <a:p>
-            <a:r>
-              <a:rPr lang="en-US"/>
-              <a:t>Tu khoa ForPath, dung de map 1 thuoc tinh ben trong source property co kieu la object type , ex: Customer.Name vao 1 source property</a:t>
-            </a:r>
-            <a:endParaRPr lang="en-US"/>
-          </a:p>
-          <a:p>
-            <a:r>
-              <a:rPr lang="en-US"/>
-              <a:t>Xem example trong notes</a:t>
-            </a:r>
+          <a:bodyPr>
+            <a:normAutofit lnSpcReduction="10000"/>
+          </a:bodyPr>
+          <a:p>
+            <a:pPr marL="0" indent="0">
+              <a:buNone/>
+            </a:pPr>
+            <a:r>
+              <a:rPr lang="en-US"/>
+              <a:t>trong TH nguoc lai map tu 1 tap hop premitive type vao trong 1 object co the lam nhu sau</a:t>
+            </a:r>
+            <a:endParaRPr lang="en-US"/>
+          </a:p>
+          <a:p>
+            <a:pPr marL="0" indent="0">
+              <a:buNone/>
+            </a:pPr>
+            <a:r>
+              <a:rPr lang="en-US"/>
+              <a:t>ForMember(dest=&gt;dest.Address, action=&gt;action.MapFrom(source=&gt;new Address(){dest.prop1, dest.prop2,...};))</a:t>
+            </a:r>
+            <a:endParaRPr lang="en-US" b="1"/>
+          </a:p>
+          <a:p>
+            <a:pPr marL="0" indent="0">
+              <a:buNone/>
+            </a:pPr>
+            <a:r>
+              <a:rPr lang="en-US" b="1"/>
+              <a:t>Giai thich</a:t>
+            </a:r>
+            <a:r>
+              <a:rPr lang="en-US"/>
+              <a:t> (SOURCE-&gt;DEST)</a:t>
+            </a:r>
+            <a:endParaRPr lang="en-US"/>
+          </a:p>
+          <a:p>
+            <a:r>
+              <a:rPr lang="en-US"/>
+              <a:t>Adress la 1 object , la 1 thuoc tinh cua Destination, no dung de copy tu cac thuoc tinh prop1, prop2 cua source</a:t>
+            </a:r>
+            <a:endParaRPr lang="en-US"/>
+          </a:p>
+          <a:p>
+            <a:r>
+              <a:rPr lang="en-US"/>
+              <a:t> ForMember, luon dn theo mo  tip dest can gi , va source phai lam the nao</a:t>
+            </a:r>
+            <a:endParaRPr lang="en-US"/>
+          </a:p>
+          <a:p>
             <a:endParaRPr lang="en-US"/>
           </a:p>
         </p:txBody>
@@ -4936,17 +4933,12 @@
         </p:nvSpPr>
         <p:spPr/>
         <p:txBody>
-          <a:bodyPr>
-            <a:normAutofit fontScale="90000"/>
-          </a:bodyPr>
-          <a:p>
-            <a:r>
-              <a:rPr lang="en-US"/>
-              <a:t>Mapping with condition, and change value</a:t>
-            </a:r>
-            <a:br>
-              <a:rPr lang="en-US"/>
-            </a:br>
+          <a:bodyPr/>
+          <a:p>
+            <a:r>
+              <a:rPr lang="en-US"/>
+              <a:t>Reserve mapping</a:t>
+            </a:r>
             <a:endParaRPr lang="en-US"/>
           </a:p>
         </p:txBody>
@@ -4963,72 +4955,33 @@
         </p:nvSpPr>
         <p:spPr/>
         <p:txBody>
-          <a:bodyPr>
-            <a:normAutofit lnSpcReduction="10000"/>
-          </a:bodyPr>
-          <a:p>
-            <a:pPr marL="0" indent="0">
-              <a:buNone/>
-            </a:pPr>
-            <a:r>
-              <a:rPr lang="en-US"/>
-              <a:t>https://dotnettutorials.net/lesson/automapper-conditional-mapping-dotnet/</a:t>
-            </a:r>
-            <a:endParaRPr lang="en-US"/>
-          </a:p>
-          <a:p>
-            <a:pPr marL="0" indent="0">
-              <a:buNone/>
-            </a:pPr>
-            <a:r>
-              <a:rPr lang="en-US"/>
-              <a:t>allows us to add conditions to the properties of the </a:t>
-            </a:r>
-            <a:r>
-              <a:rPr lang="en-US" b="1"/>
-              <a:t>source object that must be met before that property going to be mapped</a:t>
-            </a:r>
-            <a:r>
-              <a:rPr lang="en-US"/>
-              <a:t> to the property of the destination object.</a:t>
-            </a:r>
-            <a:endParaRPr lang="en-US"/>
-          </a:p>
-          <a:p>
-            <a:pPr marL="0" indent="0">
-              <a:buNone/>
-            </a:pPr>
-            <a:r>
-              <a:rPr lang="en-US"/>
-              <a:t>co 2 pp </a:t>
-            </a:r>
-            <a:endParaRPr lang="en-US"/>
-          </a:p>
-          <a:p>
-            <a:pPr lvl="1"/>
-            <a:r>
-              <a:rPr lang="en-US"/>
-              <a:t>su dung toan tu condition de chon gia tri copy vao destination prop</a:t>
-            </a:r>
-            <a:endParaRPr lang="en-US"/>
-          </a:p>
-          <a:p>
-            <a:pPr lvl="1"/>
-            <a:r>
-              <a:rPr lang="en-US"/>
-              <a:t>su dung action.Condition</a:t>
-            </a:r>
-            <a:endParaRPr lang="en-US"/>
-          </a:p>
-          <a:p>
-            <a:pPr lvl="1"/>
-            <a:r>
-              <a:rPr lang="en-US"/>
-              <a:t>ForMember(dest=&gt;dest.ItemQuantitty, act.Condition (source=&gt;(source.Quantity&gt;0) ) ); chỉ chep source.Quantity vào dest.ItemQuantity khi source.Quantiy&gt;0</a:t>
-            </a:r>
-            <a:endParaRPr lang="en-US"/>
-          </a:p>
-          <a:p>
+          <a:bodyPr/>
+          <a:p>
+            <a:r>
+              <a:rPr lang="en-US"/>
+              <a:t>gia su co 2 objects trong do co cac thuoc tinh khac nhau ve kieu (object type to premitive type), tat nhien la phai dung ForMember ket hop voi method Reserve(), tuy nhien sau reserver can khai bao them for Member cho chieu nguoc lai</a:t>
+            </a:r>
+            <a:endParaRPr lang="en-US"/>
+          </a:p>
+          <a:p>
+            <a:r>
+              <a:rPr lang="en-US"/>
+              <a:t>Auto mapper se auto hieu thu tu nguoc lai Source-&gt; Dest, va dest-&gt;source</a:t>
+            </a:r>
+            <a:endParaRPr lang="en-US"/>
+          </a:p>
+          <a:p>
+            <a:r>
+              <a:rPr lang="en-US"/>
+              <a:t>Tu khoa ForPath, dung de map 1 thuoc tinh ben trong source property co kieu la object type , ex: Customer.Name vao 1 source property</a:t>
+            </a:r>
+            <a:endParaRPr lang="en-US"/>
+          </a:p>
+          <a:p>
+            <a:r>
+              <a:rPr lang="en-US"/>
+              <a:t>Xem example trong notes</a:t>
+            </a:r>
             <a:endParaRPr lang="en-US"/>
           </a:p>
         </p:txBody>
@@ -5063,12 +5016,17 @@
         </p:nvSpPr>
         <p:spPr/>
         <p:txBody>
-          <a:bodyPr/>
-          <a:p>
-            <a:r>
-              <a:rPr lang="en-US"/>
-              <a:t>Ignore property</a:t>
-            </a:r>
+          <a:bodyPr>
+            <a:normAutofit fontScale="90000"/>
+          </a:bodyPr>
+          <a:p>
+            <a:r>
+              <a:rPr lang="en-US"/>
+              <a:t>Mapping with condition, and change value</a:t>
+            </a:r>
+            <a:br>
+              <a:rPr lang="en-US"/>
+            </a:br>
             <a:endParaRPr lang="en-US"/>
           </a:p>
         </p:txBody>
@@ -5094,7 +5052,7 @@
             </a:pPr>
             <a:r>
               <a:rPr lang="en-US"/>
-              <a:t>https://dotnettutorials.net/lesson/ignore-using-automapper-in-csharp/</a:t>
+              <a:t>https://dotnettutorials.net/lesson/automapper-conditional-mapping-dotnet/</a:t>
             </a:r>
             <a:endParaRPr lang="en-US"/>
           </a:p>
@@ -5104,7 +5062,25 @@
             </a:pPr>
             <a:r>
               <a:rPr lang="en-US"/>
-              <a:t>Usage:</a:t>
+              <a:t>allows us to add conditions to the properties of the </a:t>
+            </a:r>
+            <a:r>
+              <a:rPr lang="en-US" b="1"/>
+              <a:t>source object that must be met before that property going to be mapped</a:t>
+            </a:r>
+            <a:r>
+              <a:rPr lang="en-US"/>
+              <a:t> to the property of the destination object.</a:t>
+            </a:r>
+            <a:endParaRPr lang="en-US"/>
+          </a:p>
+          <a:p>
+            <a:pPr marL="0" indent="0">
+              <a:buNone/>
+            </a:pPr>
+            <a:r>
+              <a:rPr lang="en-US"/>
+              <a:t>co 2 pp </a:t>
             </a:r>
             <a:endParaRPr lang="en-US"/>
           </a:p>
@@ -5112,7 +5088,7 @@
             <a:pPr lvl="1"/>
             <a:r>
               <a:rPr lang="en-US"/>
-              <a:t>If you want some of the properties not to map with the destination type property</a:t>
+              <a:t>su dung toan tu condition de chon gia tri copy vao destination prop</a:t>
             </a:r>
             <a:endParaRPr lang="en-US"/>
           </a:p>
@@ -5120,38 +5096,19 @@
             <a:pPr lvl="1"/>
             <a:r>
               <a:rPr lang="en-US"/>
-              <a:t>Thuc te co 1 so data tu object nay se kg dc phep copy qua (thi du CreatedDate , kg can copy qua lai khi doi tuong dang o trang thai modified)</a:t>
+              <a:t>su dung action.Condition</a:t>
             </a:r>
             <a:endParaRPr lang="en-US"/>
           </a:p>
           <a:p>
             <a:pPr lvl="1"/>
-            <a:endParaRPr lang="en-US"/>
-          </a:p>
-          <a:p>
-            <a:pPr marL="0" lvl="0" indent="0">
-              <a:buNone/>
-            </a:pPr>
-            <a:r>
-              <a:rPr lang="en-US"/>
-              <a:t>ex: Our Business Requirement is not to map the Address Property i.e. we need to ignore the Address property while doing the mapping between these two objects.  su dung method Ignore:</a:t>
-            </a:r>
-            <a:r>
-              <a:rPr lang="en-US">
-                <a:sym typeface="+mn-ea"/>
-              </a:rPr>
-              <a:t>act =&gt; act.Ignore()</a:t>
-            </a:r>
-            <a:endParaRPr lang="en-US"/>
-          </a:p>
-          <a:p>
-            <a:pPr marL="0" lvl="0" indent="0">
-              <a:buNone/>
-            </a:pPr>
-            <a:r>
-              <a:rPr lang="en-US"/>
-              <a:t>Xem example trong notes</a:t>
-            </a:r>
+            <a:r>
+              <a:rPr lang="en-US"/>
+              <a:t>ForMember(dest=&gt;dest.ItemQuantitty, act.Condition (source=&gt;(source.Quantity&gt;0) ) ); chỉ chep source.Quantity vào dest.ItemQuantity khi source.Quantiy&gt;0</a:t>
+            </a:r>
+            <a:endParaRPr lang="en-US"/>
+          </a:p>
+          <a:p>
             <a:endParaRPr lang="en-US"/>
           </a:p>
         </p:txBody>
@@ -5186,40 +5143,38 @@
         </p:nvSpPr>
         <p:spPr/>
         <p:txBody>
+          <a:bodyPr/>
+          <a:p>
+            <a:r>
+              <a:rPr lang="en-US"/>
+              <a:t>Ignore property</a:t>
+            </a:r>
+            <a:endParaRPr lang="en-US"/>
+          </a:p>
+        </p:txBody>
+      </p:sp>
+      <p:sp>
+        <p:nvSpPr>
+          <p:cNvPr id="3" name="Content Placeholder 2"/>
+          <p:cNvSpPr>
+            <a:spLocks noGrp="1"/>
+          </p:cNvSpPr>
+          <p:nvPr>
+            <p:ph idx="1"/>
+          </p:nvPr>
+        </p:nvSpPr>
+        <p:spPr/>
+        <p:txBody>
           <a:bodyPr>
-            <a:normAutofit fontScale="90000"/>
+            <a:normAutofit lnSpcReduction="10000"/>
           </a:bodyPr>
           <a:p>
-            <a:r>
-              <a:rPr lang="en-US"/>
-              <a:t>UseValue, ResolveUsing,Null Substitution method</a:t>
-            </a:r>
-            <a:endParaRPr lang="en-US"/>
-          </a:p>
-        </p:txBody>
-      </p:sp>
-      <p:sp>
-        <p:nvSpPr>
-          <p:cNvPr id="3" name="Content Placeholder 2"/>
-          <p:cNvSpPr>
-            <a:spLocks noGrp="1"/>
-          </p:cNvSpPr>
-          <p:nvPr>
-            <p:ph idx="1"/>
-          </p:nvPr>
-        </p:nvSpPr>
-        <p:spPr/>
-        <p:txBody>
-          <a:bodyPr>
-            <a:normAutofit lnSpcReduction="20000"/>
-          </a:bodyPr>
-          <a:p>
             <a:pPr marL="0" indent="0">
               <a:buNone/>
             </a:pPr>
             <a:r>
               <a:rPr lang="en-US"/>
-              <a:t>UseValue: hơi giống default value , có nghĩa là mình map trước 1 fixed value vào 1 prop destination objects. Example</a:t>
+              <a:t>https://dotnettutorials.net/lesson/ignore-using-automapper-in-csharp/</a:t>
             </a:r>
             <a:endParaRPr lang="en-US"/>
           </a:p>
@@ -5229,42 +5184,53 @@
             </a:pPr>
             <a:r>
               <a:rPr lang="en-US"/>
-              <a:t>//instead of mapping the null value from the source object, it will map from the value we supply by checking source is null condition</a:t>
-            </a:r>
-            <a:endParaRPr lang="en-US"/>
-          </a:p>
-          <a:p>
-            <a:r>
-              <a:rPr lang="en-US"/>
-              <a:t>.ForMember(dest =&gt; dest.FixedValue, act =&gt; act.NullSubstitute("Hello")); su dung ham kiem tra null va thay the vao gia tri “Hello” vao dest.FixedValue prop, khi source have null value, </a:t>
-            </a:r>
-            <a:r>
-              <a:rPr lang="en-US" b="1"/>
-              <a:t>ap dung khi tu logic objchuyen sang viewmodel obj</a:t>
-            </a:r>
-            <a:endParaRPr lang="en-US" b="1"/>
-          </a:p>
-          <a:p>
-            <a:pPr marL="0" indent="0">
+              <a:t>Usage:</a:t>
+            </a:r>
+            <a:endParaRPr lang="en-US"/>
+          </a:p>
+          <a:p>
+            <a:pPr lvl="1"/>
+            <a:r>
+              <a:rPr lang="en-US"/>
+              <a:t>If you want some of the properties not to map with the destination type property</a:t>
+            </a:r>
+            <a:endParaRPr lang="en-US"/>
+          </a:p>
+          <a:p>
+            <a:pPr lvl="1"/>
+            <a:r>
+              <a:rPr lang="en-US"/>
+              <a:t>Thuc te co 1 so data tu object nay se kg dc phep copy qua (thi du CreatedDate , kg can copy qua lai khi doi tuong dang o trang thai modified)</a:t>
+            </a:r>
+            <a:endParaRPr lang="en-US"/>
+          </a:p>
+          <a:p>
+            <a:pPr lvl="1"/>
+            <a:endParaRPr lang="en-US"/>
+          </a:p>
+          <a:p>
+            <a:pPr marL="0" lvl="0" indent="0">
               <a:buNone/>
             </a:pPr>
             <a:r>
               <a:rPr lang="en-US"/>
-              <a:t> //To Store Static Value use the UseValue() method</a:t>
-            </a:r>
-            <a:endParaRPr lang="en-US"/>
-          </a:p>
-          <a:p>
-            <a:r>
-              <a:rPr lang="en-US"/>
-              <a:t>.ForMember(dest =&gt; dest.FixedValue, act =&gt; act.UseValue("Hello"))</a:t>
-            </a:r>
-            <a:endParaRPr lang="en-US"/>
-          </a:p>
-          <a:p>
-            <a:r>
-              <a:rPr lang="en-US"/>
-              <a:t>xem them ở dưới notes</a:t>
+              <a:t>ex: Our Business Requirement is not to map the Address Property i.e. we need to ignore the Address property while doing the mapping between these two objects.  su dung method Ignore:</a:t>
+            </a:r>
+            <a:r>
+              <a:rPr lang="en-US">
+                <a:sym typeface="+mn-ea"/>
+              </a:rPr>
+              <a:t>act =&gt; act.Ignore()</a:t>
+            </a:r>
+            <a:endParaRPr lang="en-US"/>
+          </a:p>
+          <a:p>
+            <a:pPr marL="0" lvl="0" indent="0">
+              <a:buNone/>
+            </a:pPr>
+            <a:r>
+              <a:rPr lang="en-US"/>
+              <a:t>Xem example trong notes</a:t>
             </a:r>
             <a:endParaRPr lang="en-US"/>
           </a:p>
@@ -5300,6 +5266,120 @@
         </p:nvSpPr>
         <p:spPr/>
         <p:txBody>
+          <a:bodyPr>
+            <a:normAutofit fontScale="90000"/>
+          </a:bodyPr>
+          <a:p>
+            <a:r>
+              <a:rPr lang="en-US"/>
+              <a:t>UseValue, ResolveUsing,Null Substitution method</a:t>
+            </a:r>
+            <a:endParaRPr lang="en-US"/>
+          </a:p>
+        </p:txBody>
+      </p:sp>
+      <p:sp>
+        <p:nvSpPr>
+          <p:cNvPr id="3" name="Content Placeholder 2"/>
+          <p:cNvSpPr>
+            <a:spLocks noGrp="1"/>
+          </p:cNvSpPr>
+          <p:nvPr>
+            <p:ph idx="1"/>
+          </p:nvPr>
+        </p:nvSpPr>
+        <p:spPr/>
+        <p:txBody>
+          <a:bodyPr>
+            <a:normAutofit lnSpcReduction="20000"/>
+          </a:bodyPr>
+          <a:p>
+            <a:pPr marL="0" indent="0">
+              <a:buNone/>
+            </a:pPr>
+            <a:r>
+              <a:rPr lang="en-US"/>
+              <a:t>UseValue: hơi giống default value , có nghĩa là mình map trước 1 fixed value vào 1 prop destination objects. Example</a:t>
+            </a:r>
+            <a:endParaRPr lang="en-US"/>
+          </a:p>
+          <a:p>
+            <a:pPr marL="0" indent="0">
+              <a:buNone/>
+            </a:pPr>
+            <a:r>
+              <a:rPr lang="en-US"/>
+              <a:t>//instead of mapping the null value from the source object, it will map from the value we supply by checking source is null condition</a:t>
+            </a:r>
+            <a:endParaRPr lang="en-US"/>
+          </a:p>
+          <a:p>
+            <a:r>
+              <a:rPr lang="en-US"/>
+              <a:t>.ForMember(dest =&gt; dest.FixedValue, act =&gt; act.NullSubstitute("Hello")); su dung ham kiem tra null va thay the vao gia tri “Hello” vao dest.FixedValue prop, khi source have null value, </a:t>
+            </a:r>
+            <a:r>
+              <a:rPr lang="en-US" b="1"/>
+              <a:t>ap dung khi tu logic objchuyen sang viewmodel obj</a:t>
+            </a:r>
+            <a:endParaRPr lang="en-US" b="1"/>
+          </a:p>
+          <a:p>
+            <a:pPr marL="0" indent="0">
+              <a:buNone/>
+            </a:pPr>
+            <a:r>
+              <a:rPr lang="en-US"/>
+              <a:t> //To Store Static Value use the UseValue() method</a:t>
+            </a:r>
+            <a:endParaRPr lang="en-US"/>
+          </a:p>
+          <a:p>
+            <a:r>
+              <a:rPr lang="en-US"/>
+              <a:t>.ForMember(dest =&gt; dest.FixedValue, act =&gt; act.UseValue("Hello"))</a:t>
+            </a:r>
+            <a:endParaRPr lang="en-US"/>
+          </a:p>
+          <a:p>
+            <a:r>
+              <a:rPr lang="en-US"/>
+              <a:t>xem them ở dưới notes</a:t>
+            </a:r>
+            <a:endParaRPr lang="en-US"/>
+          </a:p>
+        </p:txBody>
+      </p:sp>
+    </p:spTree>
+  </p:cSld>
+  <p:clrMapOvr>
+    <a:masterClrMapping/>
+  </p:clrMapOvr>
+</p:sld>
+</file>
+
+<file path=ppt/slides/slide17.xml><?xml version="1.0" encoding="utf-8"?>
+<p:sld xmlns:a="http://schemas.openxmlformats.org/drawingml/2006/main" xmlns:r="http://schemas.openxmlformats.org/officeDocument/2006/relationships" xmlns:p="http://schemas.openxmlformats.org/presentationml/2006/main">
+  <p:cSld>
+    <p:spTree>
+      <p:nvGrpSpPr>
+        <p:cNvPr id="1" name=""/>
+        <p:cNvGrpSpPr/>
+        <p:nvPr/>
+      </p:nvGrpSpPr>
+      <p:grpSpPr/>
+      <p:sp>
+        <p:nvSpPr>
+          <p:cNvPr id="2" name="Title 1"/>
+          <p:cNvSpPr>
+            <a:spLocks noGrp="1"/>
+          </p:cNvSpPr>
+          <p:nvPr>
+            <p:ph type="title"/>
+          </p:nvPr>
+        </p:nvSpPr>
+        <p:spPr/>
+        <p:txBody>
           <a:bodyPr/>
           <a:p>
             <a:r>
@@ -5404,15 +5484,10 @@
           </a:p>
           <a:p>
             <a:r>
-              <a:rPr lang="en-US"/>
-              <a:t>Auto Mapper là gì</a:t>
-            </a:r>
-            <a:endParaRPr lang="en-US"/>
-          </a:p>
-          <a:p>
-            <a:r>
-              <a:rPr lang="en-US"/>
-              <a:t>Tai sao cần  Auto Mapper</a:t>
+              <a:rPr lang="en-US">
+                <a:sym typeface="+mn-ea"/>
+              </a:rPr>
+              <a:t>Auto Mapper WHAT-WHY</a:t>
             </a:r>
             <a:endParaRPr lang="en-US"/>
           </a:p>
@@ -5543,11 +5618,24 @@
         </p:nvSpPr>
         <p:spPr/>
         <p:txBody>
-          <a:bodyPr/>
-          <a:p>
-            <a:r>
-              <a:rPr lang="en-US"/>
-              <a:t>Logic layer</a:t>
+          <a:bodyPr>
+            <a:normAutofit fontScale="90000"/>
+          </a:bodyPr>
+          <a:p>
+            <a:r>
+              <a:rPr lang="en-US">
+                <a:sym typeface="+mn-ea"/>
+              </a:rPr>
+              <a:t>Tổng quan...</a:t>
+            </a:r>
+            <a:br>
+              <a:rPr lang="en-US">
+                <a:sym typeface="+mn-ea"/>
+              </a:rPr>
+            </a:br>
+            <a:r>
+              <a:rPr lang="en-US"/>
+              <a:t>Business Logic layer (BLL)</a:t>
             </a:r>
             <a:endParaRPr lang="en-US"/>
           </a:p>
@@ -5565,7 +5653,9 @@
         </p:nvSpPr>
         <p:spPr/>
         <p:txBody>
-          <a:bodyPr/>
+          <a:bodyPr>
+            <a:normAutofit lnSpcReduction="20000"/>
+          </a:bodyPr>
           <a:p>
             <a:pPr lvl="0"/>
             <a:r>
@@ -5602,7 +5692,7 @@
               <a:rPr lang="en-US" sz="2800">
                 <a:sym typeface="+mn-ea"/>
               </a:rPr>
-              <a:t>Số lượng dối tượng, các thuộc tính bên trong độc lập hoàn toàn với số lượng Data Object</a:t>
+              <a:t>Số lượng dối tượng, các thuộc tính bên trong độc lập hoàn toàn với số lượng Data Object hay so luong table trong CSDL</a:t>
             </a:r>
             <a:endParaRPr lang="en-US" sz="2800"/>
           </a:p>
@@ -5610,11 +5700,16 @@
             <a:pPr lvl="0"/>
             <a:r>
               <a:rPr lang="en-US" sz="2800"/>
-              <a:t>Thiết kế ứng dụng là dựa vào business requirement, nên nó partial độc lập với CSDL</a:t>
+              <a:t>Thiết kế BLL là dựa vào business requirement kg quan tam den cau truc CSDL</a:t>
             </a:r>
             <a:endParaRPr lang="en-US" sz="2800"/>
           </a:p>
           <a:p>
+            <a:pPr lvl="0"/>
+            <a:r>
+              <a:rPr lang="en-US"/>
+              <a:t>Có thể nói BLL chính là tâm hồn/là suy nghĩ và hành xử của 1 người, còn GUI chính là body</a:t>
+            </a:r>
             <a:endParaRPr lang="en-US"/>
           </a:p>
         </p:txBody>
@@ -5649,38 +5744,51 @@
         </p:nvSpPr>
         <p:spPr/>
         <p:txBody>
-          <a:bodyPr/>
-          <a:p>
-            <a:r>
-              <a:rPr lang="en-US"/>
-              <a:t>Presentation layer</a:t>
-            </a:r>
-            <a:endParaRPr lang="en-US"/>
-          </a:p>
-        </p:txBody>
-      </p:sp>
-      <p:sp>
-        <p:nvSpPr>
-          <p:cNvPr id="3" name="Content Placeholder 2"/>
-          <p:cNvSpPr>
-            <a:spLocks noGrp="1"/>
-          </p:cNvSpPr>
-          <p:nvPr>
-            <p:ph idx="1"/>
-          </p:nvPr>
-        </p:nvSpPr>
-        <p:spPr/>
-        <p:txBody>
           <a:bodyPr>
-            <a:normAutofit lnSpcReduction="20000"/>
+            <a:normAutofit fontScale="90000"/>
           </a:bodyPr>
           <a:p>
-            <a:pPr lvl="0"/>
             <a:r>
               <a:rPr lang="en-US">
                 <a:sym typeface="+mn-ea"/>
               </a:rPr>
-              <a:t>Phu thuộc về  yc giao diện, và có tính thay đổi cao (UI/UX)</a:t>
+              <a:t>Tổng quan...</a:t>
+            </a:r>
+            <a:br>
+              <a:rPr lang="en-US">
+                <a:sym typeface="+mn-ea"/>
+              </a:rPr>
+            </a:br>
+            <a:r>
+              <a:rPr lang="en-US"/>
+              <a:t>Presenter Or GUI layer</a:t>
+            </a:r>
+            <a:endParaRPr lang="en-US"/>
+          </a:p>
+        </p:txBody>
+      </p:sp>
+      <p:sp>
+        <p:nvSpPr>
+          <p:cNvPr id="3" name="Content Placeholder 2"/>
+          <p:cNvSpPr>
+            <a:spLocks noGrp="1"/>
+          </p:cNvSpPr>
+          <p:nvPr>
+            <p:ph idx="1"/>
+          </p:nvPr>
+        </p:nvSpPr>
+        <p:spPr/>
+        <p:txBody>
+          <a:bodyPr>
+            <a:normAutofit fontScale="90000" lnSpcReduction="20000"/>
+          </a:bodyPr>
+          <a:p>
+            <a:pPr lvl="0"/>
+            <a:r>
+              <a:rPr lang="en-US">
+                <a:sym typeface="+mn-ea"/>
+              </a:rPr>
+              <a:t>Khác với BLL, GUI dc thiết kế dựa trên  yc giao diện, và có tính thay đổi cao (UI/UX), tuy nhien thông thường GUI có thiết kế logic khá sát với BLL (vì nó là 1 thể hiện của BLL, 1BLL có thể có n hình thức thể hiện)</a:t>
             </a:r>
             <a:endParaRPr lang="en-US">
               <a:sym typeface="+mn-ea"/>
@@ -5692,7 +5800,7 @@
               <a:rPr lang="en-US">
                 <a:sym typeface="+mn-ea"/>
               </a:rPr>
-              <a:t>Present layer: thể hiện giao diện và các hành xử ở mức giao diện, layer giao diện có thể sử dụng nhiều patter như (MVVM, MVC, ...vv) và có nhiều ngôn ngữ (C#, PHP, Java,..vv), nhiều loại hình giao diện Web, Desktop (winform, WPF), Mobile App</a:t>
+              <a:t>GUI layer: thể hiện giao diện và các hành xử ở mức giao diện, layer giao diện có thể sử dụng nhiều patter như (MVVM, MVC, ...vv) và có nhiều ngôn ngữ (C#, PHP, Java,..vv), nhiều loại hình công nghệ giao diện Web, Desktop (winform, WPF), Mobile App</a:t>
             </a:r>
             <a:endParaRPr lang="en-US"/>
           </a:p>
@@ -5759,7 +5867,7 @@
           <a:p>
             <a:r>
               <a:rPr lang="en-US"/>
-              <a:t>Auto Mapper WHAT-WHY</a:t>
+              <a:t>Tổ chức Mapping</a:t>
             </a:r>
             <a:endParaRPr lang="en-US"/>
           </a:p>
@@ -5777,32 +5885,49 @@
         </p:nvSpPr>
         <p:spPr/>
         <p:txBody>
-          <a:bodyPr/>
-          <a:p>
-            <a:r>
-              <a:rPr lang="en-US"/>
-              <a:t>What is Auto Mapper: Là cách thức chuyển data từ 1 đối tượng này qua dt khac (The AutoMapper is a mapper between two objects....It maps the properties of two different objects by transforming the input object of one type to the output object of another type.)</a:t>
-            </a:r>
-            <a:endParaRPr lang="en-US"/>
-          </a:p>
-          <a:p>
-            <a:r>
-              <a:rPr lang="en-US"/>
-              <a:t>Why we use Auto Mapper: Nhu cầu về auto mapper là bắt buộc phải có, Đặc biệt trong kiến trúc mô hình 3 layer, khi mà mỗi layer sẽ có data type (class) khác nhau về tên, kiểu dl, và so luong thuộc tính</a:t>
-            </a:r>
-            <a:endParaRPr lang="en-US"/>
-          </a:p>
-          <a:p>
-            <a:r>
-              <a:rPr lang="en-US"/>
-              <a:t>Nếu chung ta tự viết thì sẽ kg thể nào h% bằng team đã viết ra Auto Mapper , đặc biệt auto mapper ngày càng hoàn thiện các chức năng và các ngoại lệ</a:t>
-            </a:r>
-            <a:endParaRPr lang="en-US"/>
-          </a:p>
-          <a:p>
-            <a:pPr marL="0" indent="0">
-              <a:buNone/>
-            </a:pPr>
+          <a:bodyPr>
+            <a:normAutofit fontScale="90000" lnSpcReduction="10000"/>
+          </a:bodyPr>
+          <a:p>
+            <a:r>
+              <a:rPr lang="en-US"/>
+              <a:t>Dự án thu viện (BLL) Mapping từ Data from DAL về BO thuộc BLL nhằm mục đích đọc data từ CSDL vào BO va chuyển BO vào trong CSDL</a:t>
+            </a:r>
+            <a:endParaRPr lang="en-US"/>
+          </a:p>
+          <a:p>
+            <a:r>
+              <a:rPr lang="en-US"/>
+              <a:t>File LogicMappingProfile ben trong chứa các lớp EmployeeProfile, OutletProfile</a:t>
+            </a:r>
+            <a:endParaRPr lang="en-US"/>
+          </a:p>
+          <a:p>
+            <a:r>
+              <a:rPr lang="en-US"/>
+              <a:t>Dự án giao diện (MVC, MVVM,..vv) mapping từ Logic object thành các ViewModel object, hoặc chuyển data từ ViewModel thanh Logic object (sau do chuyển tiếp di đến CSDL)</a:t>
+            </a:r>
+            <a:endParaRPr lang="en-US"/>
+          </a:p>
+          <a:p>
+            <a:r>
+              <a:rPr lang="en-US"/>
+              <a:t>File ViewModelMapping chua ben trong cac lop EmployeeVMProfile</a:t>
+            </a:r>
+            <a:endParaRPr lang="en-US"/>
+          </a:p>
+          <a:p>
+            <a:r>
+              <a:rPr lang="en-US"/>
+              <a:t>Sau khi du an Logic hay UI start no se doc tat ca mapping vao trong config, va tra ra doi tuong mapping</a:t>
+            </a:r>
+            <a:endParaRPr lang="en-US"/>
+          </a:p>
+          <a:p>
+            <a:r>
+              <a:rPr lang="en-US"/>
+              <a:t> KQ: doi tuong mapping thuc hien viec copy data qua lai giua 2 loai kieu du lieu</a:t>
+            </a:r>
             <a:endParaRPr lang="en-US"/>
           </a:p>
         </p:txBody>
@@ -5841,7 +5966,7 @@
           <a:p>
             <a:r>
               <a:rPr lang="en-US"/>
-              <a:t>Nguyên lý</a:t>
+              <a:t>Auto Mapper WHAT-WHY</a:t>
             </a:r>
             <a:endParaRPr lang="en-US"/>
           </a:p>
@@ -5859,35 +5984,32 @@
         </p:nvSpPr>
         <p:spPr/>
         <p:txBody>
-          <a:bodyPr>
-            <a:normAutofit/>
-          </a:bodyPr>
-          <a:p>
-            <a:r>
-              <a:rPr lang="en-US"/>
-              <a:t>Mapper configuration: chứa bên trong nó la cấu hình dùng để map thuộc tính giữa 2 objects</a:t>
-            </a:r>
-            <a:endParaRPr lang="en-US"/>
-          </a:p>
-          <a:p>
-            <a:r>
-              <a:rPr lang="en-US"/>
-              <a:t>Method Map&lt;DestinationType(Source data) --&gt; destinationData se copy tu sourcedata thanh destination Data</a:t>
-            </a:r>
-            <a:endParaRPr lang="en-US"/>
-          </a:p>
-          <a:p>
-            <a:r>
-              <a:rPr lang="en-US"/>
-              <a:t>Profile: la 1 hinh thuc cau hinh ve configuration , co the co n profile nhung chi co 1 cau hinh</a:t>
-            </a:r>
-            <a:endParaRPr lang="en-US"/>
-          </a:p>
-          <a:p>
-            <a:r>
-              <a:rPr lang="en-US"/>
-              <a:t> Tu khoa reserver() dung de tao them 1 cau hinh maping nguoc tu dest sang source</a:t>
-            </a:r>
+          <a:bodyPr/>
+          <a:p>
+            <a:r>
+              <a:rPr lang="en-US"/>
+              <a:t>What is Auto Mapper: Là cách thức chuyển data từ 1 đối tượng này qua dt khac (The AutoMapper is a mapper between two objects....It maps the properties of two different objects by transforming the input object of one type to the output object of another type.)</a:t>
+            </a:r>
+            <a:endParaRPr lang="en-US"/>
+          </a:p>
+          <a:p>
+            <a:r>
+              <a:rPr lang="en-US"/>
+              <a:t>Why we use Auto Mapper: Nhu cầu về auto mapper là bắt buộc phải có, Đặc biệt trong kiến trúc mô hình 3 layer, khi mà mỗi layer sẽ có data type (class) khác nhau về tên, kiểu dl, và so luong thuộc tính</a:t>
+            </a:r>
+            <a:endParaRPr lang="en-US"/>
+          </a:p>
+          <a:p>
+            <a:r>
+              <a:rPr lang="en-US"/>
+              <a:t>Nếu chung ta tự viết thì sẽ kg thể nào h% bằng team đã viết ra Auto Mapper , đặc biệt auto mapper ngày càng hoàn thiện các chức năng và các ngoại lệ</a:t>
+            </a:r>
+            <a:endParaRPr lang="en-US"/>
+          </a:p>
+          <a:p>
+            <a:pPr marL="0" indent="0">
+              <a:buNone/>
+            </a:pPr>
             <a:endParaRPr lang="en-US"/>
           </a:p>
         </p:txBody>
@@ -5926,7 +6048,7 @@
           <a:p>
             <a:r>
               <a:rPr lang="en-US"/>
-              <a:t>Important notes</a:t>
+              <a:t>Nguyên lý</a:t>
             </a:r>
             <a:endParaRPr lang="en-US"/>
           </a:p>
@@ -5944,60 +6066,35 @@
         </p:nvSpPr>
         <p:spPr/>
         <p:txBody>
-          <a:bodyPr/>
-          <a:p>
-            <a:r>
-              <a:rPr lang="en-US" sz="2800">
-                <a:sym typeface="+mn-ea"/>
-              </a:rPr>
-              <a:t>important note :</a:t>
-            </a:r>
-            <a:endParaRPr lang="en-US" sz="2800"/>
-          </a:p>
-          <a:p>
-            <a:pPr lvl="1"/>
-            <a:r>
-              <a:rPr lang="en-US" sz="2800">
-                <a:sym typeface="+mn-ea"/>
-              </a:rPr>
-              <a:t>1 MapperConfigurtion se bao ham ben trong no nhieu map configuration (source, dest)</a:t>
-            </a:r>
-            <a:endParaRPr lang="en-US" sz="2800"/>
-          </a:p>
-          <a:p>
-            <a:pPr lvl="1"/>
-            <a:r>
-              <a:rPr lang="en-US" sz="2800">
-                <a:sym typeface="+mn-ea"/>
-              </a:rPr>
-              <a:t>1 Maper thi co para la duy nhat 1 MapperConfiguration</a:t>
-            </a:r>
-            <a:endParaRPr lang="en-US" sz="2800"/>
-          </a:p>
-          <a:p>
-            <a:pPr lvl="1"/>
-            <a:r>
-              <a:rPr lang="en-US" sz="2800">
-                <a:sym typeface="+mn-ea"/>
-              </a:rPr>
-              <a:t> var mapper = new Mapper(config);=&gt; mapper se duoc dung xuyen xuot cho moi hanh dong copy /map source -&gt;dest</a:t>
-            </a:r>
-            <a:endParaRPr lang="en-US" sz="2800"/>
-          </a:p>
-          <a:p>
-            <a:pPr lvl="1"/>
-            <a:r>
-              <a:rPr lang="en-US" sz="2800">
-                <a:sym typeface="+mn-ea"/>
-              </a:rPr>
-              <a:t>var empDTO = mapper.Map&lt;EmployeeDTO&gt;(emp);</a:t>
-            </a:r>
-            <a:endParaRPr lang="en-US" sz="2800"/>
-          </a:p>
-          <a:p>
-            <a:endParaRPr lang="en-US" sz="2800"/>
-          </a:p>
-          <a:p>
+          <a:bodyPr>
+            <a:normAutofit/>
+          </a:bodyPr>
+          <a:p>
+            <a:r>
+              <a:rPr lang="en-US"/>
+              <a:t>Mapper configuration: chứa bên trong nó la cấu hình dùng để map thuộc tính giữa 2 objects</a:t>
+            </a:r>
+            <a:endParaRPr lang="en-US"/>
+          </a:p>
+          <a:p>
+            <a:r>
+              <a:rPr lang="en-US"/>
+              <a:t>Method Map&lt;DestinationType(Source data) --&gt; destinationData se copy tu sourcedata thanh destination Data</a:t>
+            </a:r>
+            <a:endParaRPr lang="en-US"/>
+          </a:p>
+          <a:p>
+            <a:r>
+              <a:rPr lang="en-US"/>
+              <a:t>Profile: la 1 hinh thuc cau hinh ve configuration , co the co n profile nhung chi co 1 cau hinh</a:t>
+            </a:r>
+            <a:endParaRPr lang="en-US"/>
+          </a:p>
+          <a:p>
+            <a:r>
+              <a:rPr lang="en-US"/>
+              <a:t> Tu khoa reserver() dung de tao them 1 cau hinh maping nguoc tu dest sang source</a:t>
+            </a:r>
             <a:endParaRPr lang="en-US"/>
           </a:p>
         </p:txBody>
@@ -6036,7 +6133,7 @@
           <a:p>
             <a:r>
               <a:rPr lang="en-US"/>
-              <a:t>UC 1:  Mapper 2 simple objects</a:t>
+              <a:t>Important notes</a:t>
             </a:r>
             <a:endParaRPr lang="en-US"/>
           </a:p>
@@ -6057,24 +6154,55 @@
           <a:bodyPr/>
           <a:p>
             <a:r>
-              <a:rPr lang="en-US"/>
-              <a:t>Voi 2 doi tuong co cung kieu va ten thuoc tinh thi chi can tao 1 cau hinh don gian la chi ra source va destination</a:t>
-            </a:r>
-            <a:endParaRPr lang="en-US"/>
-          </a:p>
-          <a:p>
-            <a:r>
-              <a:rPr lang="en-US"/>
-              <a:t>Voi 2 doi tuong co cac thuoc tinh khac ten nhung cung kiểu du lieu, ta su dung them 1 dong lenh</a:t>
-            </a:r>
-            <a:endParaRPr lang="en-US"/>
-          </a:p>
-          <a:p>
-            <a:r>
-              <a:rPr lang="en-US"/>
-              <a:t>ForMember(dest=&gt;dest.Prop, action=&gt;action.MapFrom(source.Prop))</a:t>
-            </a:r>
-            <a:endParaRPr lang="en-US"/>
+              <a:rPr lang="en-US" sz="2800">
+                <a:sym typeface="+mn-ea"/>
+              </a:rPr>
+              <a:t>important note :</a:t>
+            </a:r>
+            <a:endParaRPr lang="en-US" sz="2800"/>
+          </a:p>
+          <a:p>
+            <a:pPr lvl="1"/>
+            <a:r>
+              <a:rPr lang="en-US" sz="2800">
+                <a:sym typeface="+mn-ea"/>
+              </a:rPr>
+              <a:t>1 MapperConfigurtion se bao ham ben trong no nhieu map configuration (source, dest)</a:t>
+            </a:r>
+            <a:endParaRPr lang="en-US" sz="2800"/>
+          </a:p>
+          <a:p>
+            <a:pPr lvl="1"/>
+            <a:r>
+              <a:rPr lang="en-US" sz="2800">
+                <a:sym typeface="+mn-ea"/>
+              </a:rPr>
+              <a:t>1 Maper thi co para la duy nhat 1 MapperConfiguration</a:t>
+            </a:r>
+            <a:endParaRPr lang="en-US" sz="2800"/>
+          </a:p>
+          <a:p>
+            <a:pPr lvl="1"/>
+            <a:r>
+              <a:rPr lang="en-US" sz="2800">
+                <a:sym typeface="+mn-ea"/>
+              </a:rPr>
+              <a:t> var mapper = new Mapper(config);=&gt; mapper se duoc dung xuyen xuot cho moi hanh dong copy /map source -&gt;dest</a:t>
+            </a:r>
+            <a:endParaRPr lang="en-US" sz="2800"/>
+          </a:p>
+          <a:p>
+            <a:pPr lvl="1"/>
+            <a:r>
+              <a:rPr lang="en-US" sz="2800">
+                <a:sym typeface="+mn-ea"/>
+              </a:rPr>
+              <a:t>var empDTO = mapper.Map&lt;EmployeeDTO&gt;(emp);</a:t>
+            </a:r>
+            <a:endParaRPr lang="en-US" sz="2800"/>
+          </a:p>
+          <a:p>
+            <a:endParaRPr lang="en-US" sz="2800"/>
           </a:p>
           <a:p>
             <a:endParaRPr lang="en-US"/>

--- a/WpfStudy/Documents/AutoMapper Tutorial.pptx
+++ b/WpfStudy/Documents/AutoMapper Tutorial.pptx
@@ -13,8 +13,8 @@
     <p:sldId id="262" r:id="rId6"/>
     <p:sldId id="265" r:id="rId7"/>
     <p:sldId id="264" r:id="rId8"/>
-    <p:sldId id="278" r:id="rId9"/>
-    <p:sldId id="257" r:id="rId10"/>
+    <p:sldId id="257" r:id="rId9"/>
+    <p:sldId id="278" r:id="rId10"/>
     <p:sldId id="266" r:id="rId11"/>
     <p:sldId id="267" r:id="rId12"/>
     <p:sldId id="258" r:id="rId13"/>
@@ -25,6 +25,8 @@
     <p:sldId id="270" r:id="rId18"/>
     <p:sldId id="276" r:id="rId19"/>
     <p:sldId id="277" r:id="rId20"/>
+    <p:sldId id="291" r:id="rId21"/>
+    <p:sldId id="290" r:id="rId22"/>
   </p:sldIdLst>
   <p:sldSz cx="12192000" cy="6858000"/>
   <p:notesSz cx="6858000" cy="9144000"/>
@@ -5430,6 +5432,428 @@
 </p:sld>
 </file>
 
+<file path=ppt/slides/slide18.xml><?xml version="1.0" encoding="utf-8"?>
+<p:sld xmlns:a="http://schemas.openxmlformats.org/drawingml/2006/main" xmlns:r="http://schemas.openxmlformats.org/officeDocument/2006/relationships" xmlns:p="http://schemas.openxmlformats.org/presentationml/2006/main">
+  <p:cSld>
+    <p:spTree>
+      <p:nvGrpSpPr>
+        <p:cNvPr id="1" name=""/>
+        <p:cNvGrpSpPr/>
+        <p:nvPr/>
+      </p:nvGrpSpPr>
+      <p:grpSpPr/>
+      <p:sp>
+        <p:nvSpPr>
+          <p:cNvPr id="2" name="Title 1"/>
+          <p:cNvSpPr>
+            <a:spLocks noGrp="1"/>
+          </p:cNvSpPr>
+          <p:nvPr>
+            <p:ph type="title"/>
+          </p:nvPr>
+        </p:nvSpPr>
+        <p:spPr/>
+        <p:txBody>
+          <a:bodyPr>
+            <a:normAutofit fontScale="90000"/>
+          </a:bodyPr>
+          <a:p>
+            <a:r>
+              <a:rPr lang="en-US"/>
+              <a:t>Profile : IProfileExpressionInternal, IProfileExpression, IProfileConfiguration</a:t>
+            </a:r>
+            <a:endParaRPr lang="en-US"/>
+          </a:p>
+        </p:txBody>
+      </p:sp>
+      <p:sp>
+        <p:nvSpPr>
+          <p:cNvPr id="3" name="Content Placeholder 2"/>
+          <p:cNvSpPr>
+            <a:spLocks noGrp="1"/>
+          </p:cNvSpPr>
+          <p:nvPr>
+            <p:ph idx="1"/>
+          </p:nvPr>
+        </p:nvSpPr>
+        <p:spPr/>
+        <p:txBody>
+          <a:bodyPr>
+            <a:normAutofit fontScale="80000"/>
+          </a:bodyPr>
+          <a:p>
+            <a:r>
+              <a:rPr lang="en-US"/>
+              <a:t>Doi tượng profile la base class ben trong no co chua </a:t>
+            </a:r>
+            <a:r>
+              <a:rPr lang="en-US">
+                <a:sym typeface="+mn-ea"/>
+              </a:rPr>
+              <a:t>IProfileExpression va IProfileConfiguration</a:t>
+            </a:r>
+            <a:endParaRPr lang="en-US">
+              <a:sym typeface="+mn-ea"/>
+            </a:endParaRPr>
+          </a:p>
+          <a:p>
+            <a:r>
+              <a:rPr lang="en-US"/>
+              <a:t>Chung ta kg can khai bao </a:t>
+            </a:r>
+            <a:r>
+              <a:rPr lang="en-US">
+                <a:sym typeface="+mn-ea"/>
+              </a:rPr>
+              <a:t>MapperConfiguration</a:t>
+            </a:r>
+            <a:r>
+              <a:rPr lang="en-US"/>
+              <a:t> nhu thong thuong ma dung lenh sau</a:t>
+            </a:r>
+            <a:endParaRPr lang="en-US"/>
+          </a:p>
+          <a:p>
+            <a:pPr marL="457200" lvl="1" indent="0">
+              <a:buNone/>
+            </a:pPr>
+            <a:r>
+              <a:rPr lang="en-US"/>
+              <a:t>CreateMap&lt;Address, AddressDTO&gt;()</a:t>
+            </a:r>
+            <a:endParaRPr lang="en-US"/>
+          </a:p>
+          <a:p>
+            <a:pPr marL="457200" lvl="1" indent="0">
+              <a:buNone/>
+            </a:pPr>
+            <a:r>
+              <a:rPr lang="en-US"/>
+              <a:t>                .ForMember(dest=&gt;dest.State,act=&gt;act.MapFrom(src=&gt;src.Stae))=&gt; CreateMap la 1 extention no se du dung MappingConfiguration</a:t>
+            </a:r>
+            <a:endParaRPr lang="en-US"/>
+          </a:p>
+          <a:p>
+            <a:pPr marL="228600" lvl="1" algn="l">
+              <a:spcBef>
+                <a:spcPts val="1000"/>
+              </a:spcBef>
+              <a:buClrTx/>
+              <a:buSzTx/>
+            </a:pPr>
+            <a:r>
+              <a:rPr lang="en-US" sz="2800"/>
+              <a:t>so sanh voi cach thuc kg dung profile nhu sau</a:t>
+            </a:r>
+            <a:endParaRPr lang="en-US" sz="2800"/>
+          </a:p>
+          <a:p>
+            <a:pPr marL="228600" lvl="1" indent="0" algn="l">
+              <a:spcBef>
+                <a:spcPts val="500"/>
+              </a:spcBef>
+              <a:buClrTx/>
+              <a:buSzTx/>
+              <a:buNone/>
+            </a:pPr>
+            <a:r>
+              <a:rPr lang="en-US" sz="2400"/>
+              <a:t> var config = new MapperConfiguration(cfg =&gt;{                </a:t>
+            </a:r>
+            <a:endParaRPr lang="en-US" sz="2400"/>
+          </a:p>
+          <a:p>
+            <a:pPr marL="228600" lvl="1" indent="0" algn="l">
+              <a:spcBef>
+                <a:spcPts val="500"/>
+              </a:spcBef>
+              <a:buClrTx/>
+              <a:buSzTx/>
+              <a:buNone/>
+            </a:pPr>
+            <a:r>
+              <a:rPr lang="en-US" sz="2400"/>
+              <a:t>                cfg.CreateMap&lt;Employee, EmployeeDTO2&gt;()</a:t>
+            </a:r>
+            <a:endParaRPr lang="en-US" sz="2400"/>
+          </a:p>
+          <a:p>
+            <a:pPr marL="228600" lvl="1" indent="0" algn="l">
+              <a:spcBef>
+                <a:spcPts val="500"/>
+              </a:spcBef>
+              <a:buClrTx/>
+              <a:buSzTx/>
+              <a:buNone/>
+            </a:pPr>
+            <a:r>
+              <a:rPr lang="en-US" sz="2400"/>
+              <a:t>                .ForMember(dest =&gt; dest.City, act =&gt; act.MapFrom(src =&gt; src.Address.City))</a:t>
+            </a:r>
+            <a:endParaRPr lang="en-US" sz="2400"/>
+          </a:p>
+          <a:p>
+            <a:pPr marL="228600" lvl="1" indent="0" algn="l">
+              <a:spcBef>
+                <a:spcPts val="500"/>
+              </a:spcBef>
+              <a:buClrTx/>
+              <a:buSzTx/>
+              <a:buNone/>
+            </a:pPr>
+            <a:r>
+              <a:rPr lang="en-US" sz="2400"/>
+              <a:t>                .ForMember(dest =&gt; dest.Country, act =&gt; act.MapFrom(src =&gt; src.Address.Country))</a:t>
+            </a:r>
+            <a:endParaRPr lang="en-US" sz="2400"/>
+          </a:p>
+          <a:p>
+            <a:pPr marL="228600" lvl="1" indent="0" algn="l">
+              <a:spcBef>
+                <a:spcPts val="500"/>
+              </a:spcBef>
+              <a:buClrTx/>
+              <a:buSzTx/>
+              <a:buNone/>
+            </a:pPr>
+            <a:r>
+              <a:rPr lang="en-US" sz="2400"/>
+              <a:t>                .ForMember(dest =&gt; dest.State, act = act.MapFrom(src =&gt; src.Address.Stae));      });</a:t>
+            </a:r>
+            <a:endParaRPr lang="en-US" sz="2400"/>
+          </a:p>
+        </p:txBody>
+      </p:sp>
+    </p:spTree>
+  </p:cSld>
+  <p:clrMapOvr>
+    <a:masterClrMapping/>
+  </p:clrMapOvr>
+</p:sld>
+</file>
+
+<file path=ppt/slides/slide19.xml><?xml version="1.0" encoding="utf-8"?>
+<p:sld xmlns:a="http://schemas.openxmlformats.org/drawingml/2006/main" xmlns:r="http://schemas.openxmlformats.org/officeDocument/2006/relationships" xmlns:p="http://schemas.openxmlformats.org/presentationml/2006/main">
+  <p:cSld>
+    <p:spTree>
+      <p:nvGrpSpPr>
+        <p:cNvPr id="1" name=""/>
+        <p:cNvGrpSpPr/>
+        <p:nvPr/>
+      </p:nvGrpSpPr>
+      <p:grpSpPr/>
+      <p:sp>
+        <p:nvSpPr>
+          <p:cNvPr id="2" name="Title 1"/>
+          <p:cNvSpPr>
+            <a:spLocks noGrp="1"/>
+          </p:cNvSpPr>
+          <p:nvPr>
+            <p:ph type="title"/>
+          </p:nvPr>
+        </p:nvSpPr>
+        <p:spPr/>
+        <p:txBody>
+          <a:bodyPr/>
+          <a:p>
+            <a:r>
+              <a:rPr lang="en-US"/>
+              <a:t>Auto Mapper and DI</a:t>
+            </a:r>
+            <a:endParaRPr lang="en-US"/>
+          </a:p>
+        </p:txBody>
+      </p:sp>
+      <p:sp>
+        <p:nvSpPr>
+          <p:cNvPr id="3" name="Content Placeholder 2"/>
+          <p:cNvSpPr>
+            <a:spLocks noGrp="1"/>
+          </p:cNvSpPr>
+          <p:nvPr>
+            <p:ph idx="1"/>
+          </p:nvPr>
+        </p:nvSpPr>
+        <p:spPr/>
+        <p:txBody>
+          <a:bodyPr>
+            <a:normAutofit fontScale="90000" lnSpcReduction="20000"/>
+          </a:bodyPr>
+          <a:p>
+            <a:pPr marL="0" indent="0">
+              <a:buNone/>
+            </a:pPr>
+            <a:r>
+              <a:rPr lang="en-US"/>
+              <a:t>Mapper dc add vao trong DI container nhu sau</a:t>
+            </a:r>
+            <a:endParaRPr lang="en-US"/>
+          </a:p>
+          <a:p>
+            <a:r>
+              <a:rPr lang="en-US"/>
+              <a:t> services.AddSingleton(mapper);=&gt; mapper co the dc tạo ra từ MapperConfiguration nhu sau </a:t>
+            </a:r>
+            <a:br>
+              <a:rPr lang="en-US"/>
+            </a:br>
+            <a:endParaRPr lang="en-US"/>
+          </a:p>
+          <a:p>
+            <a:pPr marL="457200" lvl="1" indent="0">
+              <a:buNone/>
+            </a:pPr>
+            <a:r>
+              <a:rPr lang="en-US" sz="2055">
+                <a:solidFill>
+                  <a:srgbClr val="FF0000"/>
+                </a:solidFill>
+              </a:rPr>
+              <a:t>var mapperConfig = new MapperConfiguration(mc =&gt;</a:t>
+            </a:r>
+            <a:endParaRPr lang="en-US" sz="2055">
+              <a:solidFill>
+                <a:srgbClr val="FF0000"/>
+              </a:solidFill>
+            </a:endParaRPr>
+          </a:p>
+          <a:p>
+            <a:pPr marL="457200" lvl="1" indent="0">
+              <a:buNone/>
+            </a:pPr>
+            <a:r>
+              <a:rPr lang="en-US" sz="2055">
+                <a:solidFill>
+                  <a:srgbClr val="FF0000"/>
+                </a:solidFill>
+              </a:rPr>
+              <a:t>     {</a:t>
+            </a:r>
+            <a:endParaRPr lang="en-US" sz="2055">
+              <a:solidFill>
+                <a:srgbClr val="FF0000"/>
+              </a:solidFill>
+            </a:endParaRPr>
+          </a:p>
+          <a:p>
+            <a:pPr marL="457200" lvl="1" indent="0">
+              <a:buNone/>
+            </a:pPr>
+            <a:r>
+              <a:rPr lang="en-US" sz="2055">
+                <a:solidFill>
+                  <a:srgbClr val="FF0000"/>
+                </a:solidFill>
+              </a:rPr>
+              <a:t>         mc.AddProfile(new MappingProfile());</a:t>
+            </a:r>
+            <a:endParaRPr lang="en-US" sz="2055">
+              <a:solidFill>
+                <a:srgbClr val="FF0000"/>
+              </a:solidFill>
+            </a:endParaRPr>
+          </a:p>
+          <a:p>
+            <a:pPr marL="457200" lvl="1" indent="0">
+              <a:buNone/>
+            </a:pPr>
+            <a:r>
+              <a:rPr lang="en-US" sz="2055">
+                <a:solidFill>
+                  <a:srgbClr val="FF0000"/>
+                </a:solidFill>
+              </a:rPr>
+              <a:t>     });</a:t>
+            </a:r>
+            <a:endParaRPr lang="en-US" sz="2055">
+              <a:solidFill>
+                <a:srgbClr val="FF0000"/>
+              </a:solidFill>
+            </a:endParaRPr>
+          </a:p>
+          <a:p>
+            <a:pPr marL="457200" lvl="1" indent="0">
+              <a:buNone/>
+            </a:pPr>
+            <a:r>
+              <a:rPr lang="en-US" sz="2055">
+                <a:solidFill>
+                  <a:srgbClr val="FF0000"/>
+                </a:solidFill>
+              </a:rPr>
+              <a:t> IMapper mapper = mapperConfig.CreateMapper();</a:t>
+            </a:r>
+            <a:endParaRPr lang="en-US" sz="2055">
+              <a:solidFill>
+                <a:srgbClr val="FF0000"/>
+              </a:solidFill>
+            </a:endParaRPr>
+          </a:p>
+          <a:p>
+            <a:pPr marL="457200" lvl="1" indent="0">
+              <a:buNone/>
+            </a:pPr>
+            <a:endParaRPr lang="en-US" sz="2055">
+              <a:solidFill>
+                <a:schemeClr val="accent2">
+                  <a:lumMod val="75000"/>
+                </a:schemeClr>
+              </a:solidFill>
+              <a:highlight>
+                <a:srgbClr val="00FF00"/>
+              </a:highlight>
+            </a:endParaRPr>
+          </a:p>
+          <a:p>
+            <a:pPr marL="0" lvl="1" algn="l">
+              <a:spcBef>
+                <a:spcPts val="1000"/>
+              </a:spcBef>
+              <a:buClrTx/>
+              <a:buSzTx/>
+              <a:buNone/>
+            </a:pPr>
+            <a:r>
+              <a:rPr lang="en-US" sz="2800" b="1"/>
+              <a:t>Note: </a:t>
+            </a:r>
+            <a:endParaRPr lang="en-US" sz="2800"/>
+          </a:p>
+          <a:p>
+            <a:pPr marL="0" lvl="1" indent="0" algn="l">
+              <a:spcBef>
+                <a:spcPts val="1000"/>
+              </a:spcBef>
+              <a:buClrTx/>
+              <a:buSzTx/>
+              <a:buNone/>
+            </a:pPr>
+            <a:r>
+              <a:rPr lang="en-US" sz="2800"/>
+              <a:t>Mapper thì cần mapper MapConfiguration, mapper co the tao ra tu </a:t>
+            </a:r>
+            <a:r>
+              <a:rPr lang="en-US" sz="2800">
+                <a:sym typeface="+mn-ea"/>
+              </a:rPr>
+              <a:t>MapConfiguration</a:t>
+            </a:r>
+            <a:r>
+              <a:rPr lang="en-US" sz="2800"/>
+              <a:t>.CreateMap(),hoac new Mapper(mapConfig), bang cach nao thi mapper cung chua map config, ngoai ra </a:t>
+            </a:r>
+            <a:endParaRPr lang="en-US" sz="2800"/>
+          </a:p>
+        </p:txBody>
+      </p:sp>
+    </p:spTree>
+  </p:cSld>
+  <p:clrMapOvr>
+    <a:masterClrMapping/>
+  </p:clrMapOvr>
+</p:sld>
+</file>
+
 <file path=ppt/slides/slide2.xml><?xml version="1.0" encoding="utf-8"?>
 <p:sld xmlns:a="http://schemas.openxmlformats.org/drawingml/2006/main" xmlns:r="http://schemas.openxmlformats.org/officeDocument/2006/relationships" xmlns:p="http://schemas.openxmlformats.org/presentationml/2006/main">
   <p:cSld>
@@ -5488,6 +5912,55 @@
                 <a:sym typeface="+mn-ea"/>
               </a:rPr>
               <a:t>Auto Mapper WHAT-WHY</a:t>
+            </a:r>
+            <a:endParaRPr lang="en-US">
+              <a:sym typeface="+mn-ea"/>
+            </a:endParaRPr>
+          </a:p>
+          <a:p>
+            <a:r>
+              <a:rPr lang="en-US"/>
+              <a:t>Các tình huống(Ucase) sử dụng AutoMapping </a:t>
+            </a:r>
+            <a:endParaRPr lang="en-US"/>
+          </a:p>
+          <a:p>
+            <a:pPr lvl="1"/>
+            <a:r>
+              <a:rPr lang="en-US"/>
+              <a:t>Simple: all property type and Name the same</a:t>
+            </a:r>
+            <a:endParaRPr lang="en-US"/>
+          </a:p>
+          <a:p>
+            <a:pPr lvl="1"/>
+            <a:r>
+              <a:rPr lang="en-US"/>
+              <a:t>Different Name, Type of property between source and destination</a:t>
+            </a:r>
+            <a:endParaRPr lang="en-US"/>
+          </a:p>
+          <a:p>
+            <a:pPr lvl="1"/>
+            <a:r>
+              <a:rPr lang="en-US"/>
+              <a:t>Ignore property, condition </a:t>
+            </a:r>
+            <a:endParaRPr lang="en-US"/>
+          </a:p>
+          <a:p>
+            <a:pPr lvl="1"/>
+            <a:r>
+              <a:rPr lang="en-US"/>
+              <a:t>Use FixValue</a:t>
+            </a:r>
+            <a:endParaRPr lang="en-US"/>
+          </a:p>
+          <a:p>
+            <a:pPr lvl="1"/>
+            <a:r>
+              <a:rPr lang="en-US"/>
+              <a:t>Use ResolveValue</a:t>
             </a:r>
             <a:endParaRPr lang="en-US"/>
           </a:p>
@@ -5867,7 +6340,7 @@
           <a:p>
             <a:r>
               <a:rPr lang="en-US"/>
-              <a:t>Tổ chức Mapping</a:t>
+              <a:t>Auto Mapper WHAT-WHY</a:t>
             </a:r>
             <a:endParaRPr lang="en-US"/>
           </a:p>
@@ -5886,48 +6359,35 @@
         <p:spPr/>
         <p:txBody>
           <a:bodyPr>
-            <a:normAutofit fontScale="90000" lnSpcReduction="10000"/>
+            <a:normAutofit fontScale="90000"/>
           </a:bodyPr>
           <a:p>
             <a:r>
               <a:rPr lang="en-US"/>
-              <a:t>Dự án thu viện (BLL) Mapping từ Data from DAL về BO thuộc BLL nhằm mục đích đọc data từ CSDL vào BO va chuyển BO vào trong CSDL</a:t>
-            </a:r>
-            <a:endParaRPr lang="en-US"/>
-          </a:p>
-          <a:p>
-            <a:r>
-              <a:rPr lang="en-US"/>
-              <a:t>File LogicMappingProfile ben trong chứa các lớp EmployeeProfile, OutletProfile</a:t>
-            </a:r>
-            <a:endParaRPr lang="en-US"/>
-          </a:p>
-          <a:p>
-            <a:r>
-              <a:rPr lang="en-US"/>
-              <a:t>Dự án giao diện (MVC, MVVM,..vv) mapping từ Logic object thành các ViewModel object, hoặc chuyển data từ ViewModel thanh Logic object (sau do chuyển tiếp di đến CSDL)</a:t>
-            </a:r>
-            <a:endParaRPr lang="en-US"/>
-          </a:p>
-          <a:p>
-            <a:r>
-              <a:rPr lang="en-US"/>
-              <a:t>File ViewModelMapping chua ben trong cac lop EmployeeVMProfile</a:t>
-            </a:r>
-            <a:endParaRPr lang="en-US"/>
-          </a:p>
-          <a:p>
-            <a:r>
-              <a:rPr lang="en-US"/>
-              <a:t>Sau khi du an Logic hay UI start no se doc tat ca mapping vao trong config, va tra ra doi tuong mapping</a:t>
-            </a:r>
-            <a:endParaRPr lang="en-US"/>
-          </a:p>
-          <a:p>
-            <a:r>
-              <a:rPr lang="en-US"/>
-              <a:t> KQ: doi tuong mapping thuc hien viec copy data qua lai giua 2 loai kieu du lieu</a:t>
-            </a:r>
+              <a:t>Auto Mapper: Là cách thức chuyển data từ 1 đối tượng này qua dt khac (The AutoMapper is a mapper between two objects....It maps the properties of two different objects by transforming the input object of one type to the output object of another type.)</a:t>
+            </a:r>
+            <a:endParaRPr lang="en-US"/>
+          </a:p>
+          <a:p>
+            <a:r>
+              <a:rPr lang="en-US">
+                <a:sym typeface="+mn-ea"/>
+              </a:rPr>
+              <a:t>WHY: Từ mô hình 3 lớp dễ nhận thấy ở mỗi layer ta có 1 kiểu dữ liệu khác nhau(class) khác nhau về tên, kiểu dl, và so luong thuộc tính ex: View layer-&gt; CompanyVM,BLL layer-&gt; Company, DAL layer-&gt; CompanyDTO (data transfer object) or CompanyData</a:t>
+            </a:r>
+            <a:endParaRPr lang="en-US"/>
+          </a:p>
+          <a:p>
+            <a:r>
+              <a:rPr lang="en-US"/>
+              <a:t>Nhu cầu về chuyển dịch data là bắt buộc phải có. Nếu chung ta tự viết thì sẽ kg thể nào H% bằng  Auto Mapper , nó ngày càng hoàn thiện các chức năng và các ngoại lệ</a:t>
+            </a:r>
+            <a:endParaRPr lang="en-US"/>
+          </a:p>
+          <a:p>
+            <a:pPr marL="0" indent="0">
+              <a:buNone/>
+            </a:pPr>
             <a:endParaRPr lang="en-US"/>
           </a:p>
         </p:txBody>
@@ -5966,7 +6426,7 @@
           <a:p>
             <a:r>
               <a:rPr lang="en-US"/>
-              <a:t>Auto Mapper WHAT-WHY</a:t>
+              <a:t>Tổ chức Mapping</a:t>
             </a:r>
             <a:endParaRPr lang="en-US"/>
           </a:p>
@@ -5984,32 +6444,35 @@
         </p:nvSpPr>
         <p:spPr/>
         <p:txBody>
-          <a:bodyPr/>
-          <a:p>
-            <a:r>
-              <a:rPr lang="en-US"/>
-              <a:t>What is Auto Mapper: Là cách thức chuyển data từ 1 đối tượng này qua dt khac (The AutoMapper is a mapper between two objects....It maps the properties of two different objects by transforming the input object of one type to the output object of another type.)</a:t>
-            </a:r>
-            <a:endParaRPr lang="en-US"/>
-          </a:p>
-          <a:p>
-            <a:r>
-              <a:rPr lang="en-US"/>
-              <a:t>Why we use Auto Mapper: Nhu cầu về auto mapper là bắt buộc phải có, Đặc biệt trong kiến trúc mô hình 3 layer, khi mà mỗi layer sẽ có data type (class) khác nhau về tên, kiểu dl, và so luong thuộc tính</a:t>
-            </a:r>
-            <a:endParaRPr lang="en-US"/>
-          </a:p>
-          <a:p>
-            <a:r>
-              <a:rPr lang="en-US"/>
-              <a:t>Nếu chung ta tự viết thì sẽ kg thể nào h% bằng team đã viết ra Auto Mapper , đặc biệt auto mapper ngày càng hoàn thiện các chức năng và các ngoại lệ</a:t>
-            </a:r>
-            <a:endParaRPr lang="en-US"/>
-          </a:p>
-          <a:p>
-            <a:pPr marL="0" indent="0">
-              <a:buNone/>
-            </a:pPr>
+          <a:bodyPr>
+            <a:normAutofit fontScale="70000"/>
+          </a:bodyPr>
+          <a:p>
+            <a:r>
+              <a:rPr lang="en-US"/>
+              <a:t>Với kiến trúc 3 layer ở trên, mỗi layer sẽ làm việc với 2 kiểu du liệu, thí dụ ở mô hình View, thì chủ yếu là mapping between ViewModel va Logic (model),  dự án BLL thì map between Logic object va Data Object... Mỗi dự án (view/logc) sẽ có 1 mapping Config, trong do chua cac mapping profile</a:t>
+            </a:r>
+            <a:endParaRPr lang="en-US"/>
+          </a:p>
+          <a:p>
+            <a:r>
+              <a:rPr lang="en-US"/>
+              <a:t>Dự án thu viện (BLL) Mapping từ Data from DAL về BO thuộc BLL nhằm mục đích đọc data từ CSDL vào BO va chuyển BO vào trong CSDL=&gt; LogicMapping, ex: File LogicMappingProfile ben trong chứa các lớp EmployeeProfile, OutletProfile</a:t>
+            </a:r>
+            <a:endParaRPr lang="en-US"/>
+          </a:p>
+          <a:p>
+            <a:r>
+              <a:rPr lang="en-US"/>
+              <a:t>Dự án giao diện (MVC, MVVM,..vv) mapping từ Logic object thành các ViewModel object, hoặc chuyển data từ ViewModel thanh Logic object (sau do chuyển tiếp di đến CSDL),ex: File ViewModelMapping chua ben trong cac lop EmployeeVMProfile</a:t>
+            </a:r>
+            <a:endParaRPr lang="en-US"/>
+          </a:p>
+          <a:p>
+            <a:r>
+              <a:rPr lang="en-US"/>
+              <a:t>Sau khi du an Logic hay UI start no se doc tat ca mapping vao trong config, va tra ra doi tuong mapper. KQ: doi tuong mapping thuc hien viec copy data qua lai giua 2 loai kieu du lieu</a:t>
+            </a:r>
             <a:endParaRPr lang="en-US"/>
           </a:p>
         </p:txBody>
@@ -6079,7 +6542,7 @@
           <a:p>
             <a:r>
               <a:rPr lang="en-US"/>
-              <a:t>Method Map&lt;DestinationType(Source data) --&gt; destinationData se copy tu sourcedata thanh destination Data</a:t>
+              <a:t>Đối tượng IMapper, hoac đối tượng tĩnh Mapper, Method Mapper.Map&lt;DestinationType(Source data) --&gt; destinationData se copy tu sourcedata thanh destination Data</a:t>
             </a:r>
             <a:endParaRPr lang="en-US"/>
           </a:p>
